--- a/week5/week5_chap7_python_first_steps.pptx
+++ b/week5/week5_chap7_python_first_steps.pptx
@@ -221,7 +221,7 @@
           <a:p>
             <a:fld id="{A87CAA56-48F1-B647-9950-02C2DC558F35}" type="datetimeFigureOut">
               <a:rPr lang="en-US" smtClean="0"/>
-              <a:t>9/23/22</a:t>
+              <a:t>9/25/23</a:t>
             </a:fld>
             <a:endParaRPr lang="en-US"/>
           </a:p>
@@ -1895,7 +1895,7 @@
           <a:p>
             <a:fld id="{4D28CA04-A7BE-9F4B-927B-7FC1C38147BF}" type="datetimeFigureOut">
               <a:rPr lang="en-US" smtClean="0"/>
-              <a:t>9/23/22</a:t>
+              <a:t>9/25/23</a:t>
             </a:fld>
             <a:endParaRPr lang="en-US"/>
           </a:p>
@@ -2093,7 +2093,7 @@
           <a:p>
             <a:fld id="{4D28CA04-A7BE-9F4B-927B-7FC1C38147BF}" type="datetimeFigureOut">
               <a:rPr lang="en-US" smtClean="0"/>
-              <a:t>9/23/22</a:t>
+              <a:t>9/25/23</a:t>
             </a:fld>
             <a:endParaRPr lang="en-US"/>
           </a:p>
@@ -2301,7 +2301,7 @@
           <a:p>
             <a:fld id="{4D28CA04-A7BE-9F4B-927B-7FC1C38147BF}" type="datetimeFigureOut">
               <a:rPr lang="en-US" smtClean="0"/>
-              <a:t>9/23/22</a:t>
+              <a:t>9/25/23</a:t>
             </a:fld>
             <a:endParaRPr lang="en-US"/>
           </a:p>
@@ -2499,7 +2499,7 @@
           <a:p>
             <a:fld id="{4D28CA04-A7BE-9F4B-927B-7FC1C38147BF}" type="datetimeFigureOut">
               <a:rPr lang="en-US" smtClean="0"/>
-              <a:t>9/23/22</a:t>
+              <a:t>9/25/23</a:t>
             </a:fld>
             <a:endParaRPr lang="en-US"/>
           </a:p>
@@ -2774,7 +2774,7 @@
           <a:p>
             <a:fld id="{4D28CA04-A7BE-9F4B-927B-7FC1C38147BF}" type="datetimeFigureOut">
               <a:rPr lang="en-US" smtClean="0"/>
-              <a:t>9/23/22</a:t>
+              <a:t>9/25/23</a:t>
             </a:fld>
             <a:endParaRPr lang="en-US"/>
           </a:p>
@@ -3039,7 +3039,7 @@
           <a:p>
             <a:fld id="{4D28CA04-A7BE-9F4B-927B-7FC1C38147BF}" type="datetimeFigureOut">
               <a:rPr lang="en-US" smtClean="0"/>
-              <a:t>9/23/22</a:t>
+              <a:t>9/25/23</a:t>
             </a:fld>
             <a:endParaRPr lang="en-US"/>
           </a:p>
@@ -3451,7 +3451,7 @@
           <a:p>
             <a:fld id="{4D28CA04-A7BE-9F4B-927B-7FC1C38147BF}" type="datetimeFigureOut">
               <a:rPr lang="en-US" smtClean="0"/>
-              <a:t>9/23/22</a:t>
+              <a:t>9/25/23</a:t>
             </a:fld>
             <a:endParaRPr lang="en-US"/>
           </a:p>
@@ -3592,7 +3592,7 @@
           <a:p>
             <a:fld id="{4D28CA04-A7BE-9F4B-927B-7FC1C38147BF}" type="datetimeFigureOut">
               <a:rPr lang="en-US" smtClean="0"/>
-              <a:t>9/23/22</a:t>
+              <a:t>9/25/23</a:t>
             </a:fld>
             <a:endParaRPr lang="en-US"/>
           </a:p>
@@ -3705,7 +3705,7 @@
           <a:p>
             <a:fld id="{4D28CA04-A7BE-9F4B-927B-7FC1C38147BF}" type="datetimeFigureOut">
               <a:rPr lang="en-US" smtClean="0"/>
-              <a:t>9/23/22</a:t>
+              <a:t>9/25/23</a:t>
             </a:fld>
             <a:endParaRPr lang="en-US"/>
           </a:p>
@@ -4016,7 +4016,7 @@
           <a:p>
             <a:fld id="{4D28CA04-A7BE-9F4B-927B-7FC1C38147BF}" type="datetimeFigureOut">
               <a:rPr lang="en-US" smtClean="0"/>
-              <a:t>9/23/22</a:t>
+              <a:t>9/25/23</a:t>
             </a:fld>
             <a:endParaRPr lang="en-US"/>
           </a:p>
@@ -4304,7 +4304,7 @@
           <a:p>
             <a:fld id="{4D28CA04-A7BE-9F4B-927B-7FC1C38147BF}" type="datetimeFigureOut">
               <a:rPr lang="en-US" smtClean="0"/>
-              <a:t>9/23/22</a:t>
+              <a:t>9/25/23</a:t>
             </a:fld>
             <a:endParaRPr lang="en-US"/>
           </a:p>
@@ -4545,7 +4545,7 @@
           <a:p>
             <a:fld id="{4D28CA04-A7BE-9F4B-927B-7FC1C38147BF}" type="datetimeFigureOut">
               <a:rPr lang="en-US" smtClean="0"/>
-              <a:t>9/23/22</a:t>
+              <a:t>9/25/23</a:t>
             </a:fld>
             <a:endParaRPr lang="en-US"/>
           </a:p>
@@ -6028,7 +6028,7 @@
               <a:rPr lang="en-US" sz="2400" dirty="0">
                 <a:latin typeface="Helvetica Light" panose="020B0403020202020204" pitchFamily="34" charset="0"/>
               </a:rPr>
-              <a:t>Arrays are ordered, with 0 as first element</a:t>
+              <a:t>Lists are ordered, with 0 as first element</a:t>
             </a:r>
           </a:p>
           <a:p>
@@ -6535,7 +6535,7 @@
         <p:spPr>
           <a:xfrm>
             <a:off x="922492" y="2777722"/>
-            <a:ext cx="11269508" cy="2246769"/>
+            <a:ext cx="11269508" cy="2616101"/>
           </a:xfrm>
           <a:prstGeom prst="rect">
             <a:avLst/>
@@ -6602,7 +6602,7 @@
               <a:rPr lang="en-US" sz="2400" dirty="0">
                 <a:latin typeface="Helvetica Light" panose="020B0403020202020204" pitchFamily="34" charset="0"/>
               </a:rPr>
-              <a:t>pairs, multiple keys can have same value, keys must be unique</a:t>
+              <a:t>pairs, multiple keys can have same value, keys must be 	unique</a:t>
             </a:r>
           </a:p>
           <a:p>
@@ -10717,25 +10717,46 @@
           </a:p>
           <a:p>
             <a:r>
+              <a:rPr lang="en-US" sz="2200" b="1" dirty="0">
+                <a:latin typeface="Calibri Light" panose="020F0302020204030204" pitchFamily="34" charset="0"/>
+                <a:cs typeface="Calibri Light" panose="020F0302020204030204" pitchFamily="34" charset="0"/>
+              </a:rPr>
+              <a:t>awk {'print $1, $2, $3, $5 - $4'} </a:t>
+            </a:r>
+            <a:r>
               <a:rPr lang="en-US" sz="2200" b="1" dirty="0" err="1">
                 <a:latin typeface="Calibri Light" panose="020F0302020204030204" pitchFamily="34" charset="0"/>
                 <a:cs typeface="Calibri Light" panose="020F0302020204030204" pitchFamily="34" charset="0"/>
               </a:rPr>
-              <a:t>awk</a:t>
+              <a:t>yeast_genome.gff</a:t>
             </a:r>
             <a:r>
               <a:rPr lang="en-US" sz="2200" b="1" dirty="0">
                 <a:latin typeface="Calibri Light" panose="020F0302020204030204" pitchFamily="34" charset="0"/>
                 <a:cs typeface="Calibri Light" panose="020F0302020204030204" pitchFamily="34" charset="0"/>
               </a:rPr>
-              <a:t> {'print $1, $2, $3, $5 - $4'} </a:t>
+              <a:t> &gt; </a:t>
             </a:r>
             <a:r>
               <a:rPr lang="en-US" sz="2200" b="1" dirty="0" err="1">
                 <a:latin typeface="Calibri Light" panose="020F0302020204030204" pitchFamily="34" charset="0"/>
                 <a:cs typeface="Calibri Light" panose="020F0302020204030204" pitchFamily="34" charset="0"/>
               </a:rPr>
-              <a:t>yeast_genome.gff</a:t>
+              <a:t>info_</a:t>
+            </a:r>
+            <a:r>
+              <a:rPr lang="en-US" sz="2200" b="1" err="1">
+                <a:latin typeface="Calibri Light" panose="020F0302020204030204" pitchFamily="34" charset="0"/>
+                <a:cs typeface="Calibri Light" panose="020F0302020204030204" pitchFamily="34" charset="0"/>
+              </a:rPr>
+              <a:t>length</a:t>
+            </a:r>
+            <a:r>
+              <a:rPr lang="en-US" sz="2200" b="1">
+                <a:latin typeface="Calibri Light" panose="020F0302020204030204" pitchFamily="34" charset="0"/>
+                <a:cs typeface="Calibri Light" panose="020F0302020204030204" pitchFamily="34" charset="0"/>
+              </a:rPr>
+              <a:t>_yeast.txt</a:t>
             </a:r>
             <a:endParaRPr lang="en-US" sz="2200" b="1" dirty="0">
               <a:latin typeface="Calibri Light" panose="020F0302020204030204" pitchFamily="34" charset="0"/>
@@ -11803,7 +11824,7 @@
                 <a:effectLst/>
                 <a:latin typeface="Helvetica Light" panose="020B0403020202020204" pitchFamily="34" charset="0"/>
               </a:rPr>
-              <a:t>- Many built in libraries/functions to facilitate common tasks</a:t>
+              <a:t>- Many built-in libraries/functions to facilitate common tasks</a:t>
             </a:r>
           </a:p>
         </p:txBody>
@@ -12353,7 +12374,7 @@
           </a:p>
           <a:p>
             <a:r>
-              <a:rPr lang="en-US" sz="2300" dirty="0">
+              <a:rPr lang="en-US" sz="2300" b="1" dirty="0">
                 <a:latin typeface="Helvetica Light" panose="020B0403020202020204" pitchFamily="34" charset="0"/>
               </a:rPr>
               <a:t>Learn Python Interactive</a:t>
@@ -12394,7 +12415,7 @@
               </a:rPr>
             </a:br>
             <a:r>
-              <a:rPr lang="en-US" sz="2300" dirty="0">
+              <a:rPr lang="en-US" sz="2300" b="1" dirty="0">
                 <a:latin typeface="Helvetica Light" panose="020B0403020202020204" pitchFamily="34" charset="0"/>
               </a:rPr>
               <a:t>Python guru </a:t>
@@ -14822,7 +14843,7 @@
         <p:spPr>
           <a:xfrm>
             <a:off x="951471" y="1576858"/>
-            <a:ext cx="8722260" cy="1200329"/>
+            <a:ext cx="8212505" cy="830997"/>
           </a:xfrm>
           <a:prstGeom prst="rect">
             <a:avLst/>
@@ -14844,13 +14865,8 @@
               <a:rPr lang="en-US" sz="2400" dirty="0">
                 <a:latin typeface="Helvetica Light" panose="020B0403020202020204" pitchFamily="34" charset="0"/>
               </a:rPr>
-              <a:t> – values that are sent to the program when it is run</a:t>
-            </a:r>
-          </a:p>
-          <a:p>
-            <a:endParaRPr lang="en-US" sz="2400" dirty="0">
-              <a:latin typeface="Helvetica Light" panose="020B0403020202020204" pitchFamily="34" charset="0"/>
-            </a:endParaRPr>
+              <a:t> – values that are sent to programs or functions</a:t>
+            </a:r>
           </a:p>
           <a:p>
             <a:r>
@@ -14888,7 +14904,7 @@
         </p:nvSpPr>
         <p:spPr>
           <a:xfrm>
-            <a:off x="5432818" y="2299042"/>
+            <a:off x="5469394" y="1992356"/>
             <a:ext cx="2416456" cy="478145"/>
           </a:xfrm>
           <a:prstGeom prst="rect">
